--- a/team42.pptx
+++ b/team42.pptx
@@ -5,7 +5,7 @@
     <p:sldMasterId id="2147483648" r:id="rId1"/>
   </p:sldMasterIdLst>
   <p:notesMasterIdLst>
-    <p:notesMasterId r:id="rId8"/>
+    <p:notesMasterId r:id="rId9"/>
   </p:notesMasterIdLst>
   <p:sldIdLst>
     <p:sldId id="256" r:id="rId2"/>
@@ -14,6 +14,7 @@
     <p:sldId id="259" r:id="rId5"/>
     <p:sldId id="260" r:id="rId6"/>
     <p:sldId id="261" r:id="rId7"/>
+    <p:sldId id="262" r:id="rId8"/>
   </p:sldIdLst>
   <p:sldSz cx="12192000" cy="6858000"/>
   <p:notesSz cx="6858000" cy="9144000"/>
@@ -3805,11 +3806,13 @@
         <p:spPr>
           <a:xfrm>
             <a:off x="1524000" y="4328932"/>
-            <a:ext cx="9144000" cy="928868"/>
+            <a:ext cx="9144000" cy="1838404"/>
           </a:xfrm>
         </p:spPr>
         <p:txBody>
-          <a:bodyPr/>
+          <a:bodyPr>
+            <a:normAutofit/>
+          </a:bodyPr>
           <a:lstStyle/>
           <a:p>
             <a:r>
@@ -3820,6 +3823,13 @@
               <a:rPr lang="hu-HU" dirty="0"/>
               <a:t> of Team „42”</a:t>
             </a:r>
+          </a:p>
+          <a:p>
+            <a:r>
+              <a:rPr lang="en-US" dirty="0"/>
+              <a:t>Our goal is to achieve the offered grade. The current solution is still under development.</a:t>
+            </a:r>
+            <a:endParaRPr lang="hu-HU" dirty="0"/>
           </a:p>
         </p:txBody>
       </p:sp>
@@ -3875,9 +3885,18 @@
           <a:lstStyle/>
           <a:p>
             <a:r>
+              <a:rPr lang="hu-HU" dirty="0" err="1"/>
+              <a:t>Objectives</a:t>
+            </a:r>
+            <a:r>
               <a:rPr lang="hu-HU" dirty="0"/>
-              <a:t>Célkitűzések, motiváció</a:t>
-            </a:r>
+              <a:t>, </a:t>
+            </a:r>
+            <a:r>
+              <a:rPr lang="hu-HU" dirty="0" err="1"/>
+              <a:t>motivation</a:t>
+            </a:r>
+            <a:endParaRPr lang="hu-HU" dirty="0"/>
           </a:p>
         </p:txBody>
       </p:sp>
@@ -3910,53 +3929,66 @@
           <a:lstStyle/>
           <a:p>
             <a:r>
+              <a:rPr lang="en-US" b="1" dirty="0"/>
+              <a:t>Medical image processing</a:t>
+            </a:r>
+            <a:r>
+              <a:rPr lang="en-US" dirty="0"/>
+              <a:t> is a rapidly developing field.
+A </a:t>
+            </a:r>
+            <a:r>
+              <a:rPr lang="hu-HU" dirty="0" err="1"/>
+              <a:t>preventive</a:t>
+            </a:r>
+            <a:r>
               <a:rPr lang="hu-HU" dirty="0"/>
-              <a:t>Az </a:t>
-            </a:r>
-            <a:r>
-              <a:rPr lang="hu-HU" b="1" dirty="0"/>
-              <a:t>orvosi képfeldolgozás </a:t>
+              <a:t> </a:t>
+            </a:r>
+            <a:r>
+              <a:rPr lang="hu-HU" dirty="0" err="1"/>
+              <a:t>inspection</a:t>
+            </a:r>
+            <a:r>
+              <a:rPr lang="en-US" dirty="0"/>
+              <a:t> can save lives.
+</a:t>
+            </a:r>
+            <a:r>
+              <a:rPr lang="en-US" b="1" dirty="0"/>
+              <a:t>Ethical question</a:t>
+            </a:r>
+            <a:r>
+              <a:rPr lang="en-US" dirty="0"/>
+              <a:t>: </a:t>
+            </a:r>
+            <a:r>
+              <a:rPr lang="hu-HU" dirty="0" err="1"/>
+              <a:t>Can</a:t>
+            </a:r>
+            <a:r>
+              <a:rPr lang="en-US" dirty="0"/>
+              <a:t> </a:t>
             </a:r>
             <a:r>
               <a:rPr lang="hu-HU" dirty="0"/>
-              <a:t>egy gyorsan fejlődő terület.</a:t>
-            </a:r>
-          </a:p>
-          <a:p>
-            <a:r>
-              <a:rPr lang="hu-HU" dirty="0"/>
-              <a:t>Egy előzetes ellenőrzés életet menthet.</a:t>
-            </a:r>
-          </a:p>
-          <a:p>
-            <a:r>
-              <a:rPr lang="hu-HU" b="1" dirty="0"/>
-              <a:t>Etikai kérdés</a:t>
-            </a:r>
-            <a:r>
-              <a:rPr lang="hu-HU" dirty="0"/>
-              <a:t>: Az orvost a pontosabb modell sem helyettesítheti?</a:t>
-            </a:r>
-          </a:p>
-          <a:p>
-            <a:r>
-              <a:rPr lang="hu-HU" dirty="0"/>
-              <a:t>Egy kisebb modellt használó, </a:t>
-            </a:r>
-            <a:r>
-              <a:rPr lang="hu-HU" b="1" dirty="0"/>
-              <a:t>telefonon</a:t>
-            </a:r>
-            <a:r>
-              <a:rPr lang="hu-HU" dirty="0"/>
-              <a:t> működő alkalmazás rengeteg embernek segíthet.</a:t>
-            </a:r>
-          </a:p>
-          <a:p>
-            <a:r>
-              <a:rPr lang="hu-HU" dirty="0"/>
-              <a:t>Cél: minél kisebb modellel „egész jó” eredményt elérni.</a:t>
-            </a:r>
+              <a:t>a</a:t>
+            </a:r>
+            <a:r>
+              <a:rPr lang="en-US" dirty="0"/>
+              <a:t> doctor be replaced by a more accurate model?
+A phone app using a smaller model can help a lot of people.
+</a:t>
+            </a:r>
+            <a:r>
+              <a:rPr lang="en-US" b="1" dirty="0"/>
+              <a:t>Goal</a:t>
+            </a:r>
+            <a:r>
+              <a:rPr lang="en-US" dirty="0"/>
+              <a:t>: to achieve "quite good" results with as small a model as possible.</a:t>
+            </a:r>
+            <a:endParaRPr lang="hu-HU" dirty="0"/>
           </a:p>
         </p:txBody>
       </p:sp>
@@ -4012,9 +4044,18 @@
           <a:lstStyle/>
           <a:p>
             <a:r>
+              <a:rPr lang="hu-HU" dirty="0" err="1"/>
+              <a:t>Previous</a:t>
+            </a:r>
+            <a:r>
               <a:rPr lang="hu-HU" dirty="0"/>
-              <a:t>Korábbi megoldások</a:t>
-            </a:r>
+              <a:t> </a:t>
+            </a:r>
+            <a:r>
+              <a:rPr lang="hu-HU" dirty="0" err="1"/>
+              <a:t>solutions</a:t>
+            </a:r>
+            <a:endParaRPr lang="hu-HU" dirty="0"/>
           </a:p>
         </p:txBody>
       </p:sp>
@@ -4040,46 +4081,48 @@
           <a:lstStyle/>
           <a:p>
             <a:r>
+              <a:rPr lang="en-US" dirty="0"/>
+              <a:t>Current mobile applications tend to leverage the knowledge of "classical" image processing and medicine.
+EfficientNetV2 ~0.15 (best </a:t>
+            </a:r>
+            <a:r>
+              <a:rPr lang="hu-HU" dirty="0" err="1"/>
+              <a:t>solution</a:t>
+            </a:r>
+            <a:r>
+              <a:rPr lang="en-US" dirty="0"/>
+              <a:t> &gt;0.17)</a:t>
+            </a:r>
+            <a:r>
               <a:rPr lang="hu-HU" dirty="0"/>
-              <a:t>A jelenlegi mobilos alkalmazások inkább a „klasszikus” képfeldolgozás és az orvostudomány ismereteit aknázzák ki.</a:t>
-            </a:r>
-          </a:p>
-          <a:p>
-            <a:r>
-              <a:rPr lang="hu-HU" b="1" dirty="0"/>
-              <a:t>EfficientNetV2</a:t>
+              <a:t>.</a:t>
+            </a:r>
+            <a:r>
+              <a:rPr lang="en-US" dirty="0"/>
+              <a:t>
+</a:t>
+            </a:r>
+            <a:r>
+              <a:rPr lang="en-US" dirty="0" err="1"/>
+              <a:t>MobileNet</a:t>
+            </a:r>
+            <a:r>
+              <a:rPr lang="en-US" dirty="0"/>
+              <a:t>: unfortunately, there is no basis for comparison (no one went to the Kaggle tournament to lose)</a:t>
             </a:r>
             <a:r>
               <a:rPr lang="hu-HU" dirty="0"/>
-              <a:t> ~0.15 (a legjobb megoldás &gt;0.17)</a:t>
-            </a:r>
-          </a:p>
-          <a:p>
-            <a:r>
-              <a:rPr lang="hu-HU" b="1" dirty="0" err="1"/>
-              <a:t>MobileNet</a:t>
+              <a:t>.</a:t>
+            </a:r>
+            <a:r>
+              <a:rPr lang="en-US" dirty="0"/>
+              <a:t>
+Much more modest goals</a:t>
             </a:r>
             <a:r>
               <a:rPr lang="hu-HU" dirty="0"/>
-              <a:t>: sajnos nincs összehasonlítási alap (senki nem veszíteni ment a </a:t>
-            </a:r>
-            <a:r>
-              <a:rPr lang="hu-HU" dirty="0" err="1"/>
-              <a:t>Kaggle</a:t>
-            </a:r>
-            <a:r>
-              <a:rPr lang="hu-HU" dirty="0"/>
-              <a:t> versenyre)</a:t>
-            </a:r>
-          </a:p>
-          <a:p>
-            <a:r>
-              <a:rPr lang="hu-HU" dirty="0"/>
-              <a:t>Jóval szerényebb célok</a:t>
-            </a:r>
-          </a:p>
-          <a:p>
-            <a:endParaRPr lang="hu-HU" dirty="0"/>
+              <a:t>.</a:t>
+            </a:r>
           </a:p>
         </p:txBody>
       </p:sp>
@@ -4136,7 +4179,7 @@
           <a:p>
             <a:r>
               <a:rPr lang="hu-HU" dirty="0"/>
-              <a:t>Rendszerterv</a:t>
+              <a:t>System design</a:t>
             </a:r>
           </a:p>
         </p:txBody>
@@ -4163,51 +4206,21 @@
           <a:lstStyle/>
           <a:p>
             <a:r>
-              <a:rPr lang="hu-HU" dirty="0"/>
-              <a:t>A rendszernek képesnek kell lennie releváns </a:t>
+              <a:rPr lang="en-US" dirty="0"/>
+              <a:t>The system must be able to provide relevant predictions for a </a:t>
             </a:r>
             <a:r>
               <a:rPr lang="hu-HU" dirty="0" err="1"/>
-              <a:t>predikciót</a:t>
-            </a:r>
-            <a:r>
-              <a:rPr lang="hu-HU" dirty="0"/>
-              <a:t> adni egy adott képre.</a:t>
-            </a:r>
-          </a:p>
-          <a:p>
-            <a:r>
-              <a:rPr lang="hu-HU" dirty="0"/>
-              <a:t>A rendszer a </a:t>
-            </a:r>
-            <a:r>
-              <a:rPr lang="hu-HU" dirty="0" err="1"/>
-              <a:t>predikciókat</a:t>
-            </a:r>
-            <a:r>
-              <a:rPr lang="hu-HU" dirty="0"/>
-              <a:t> kizárólag a képek alapján állítja elő.</a:t>
-            </a:r>
-          </a:p>
-          <a:p>
-            <a:r>
-              <a:rPr lang="hu-HU" dirty="0"/>
-              <a:t>A rendszer </a:t>
-            </a:r>
-            <a:r>
-              <a:rPr lang="hu-HU" dirty="0" err="1"/>
-              <a:t>mélytanulásos</a:t>
-            </a:r>
-            <a:r>
-              <a:rPr lang="hu-HU" dirty="0"/>
-              <a:t> modell segítségével tanulja meg a bőrelváltozások jellemzőit és osztályozza őket.</a:t>
-            </a:r>
-          </a:p>
-          <a:p>
-            <a:r>
-              <a:rPr lang="hu-HU" dirty="0"/>
-              <a:t>Előre tanított modell alkalmazása, amely elősegíti a gyorsabb és pontosabb eredmények elérését.</a:t>
-            </a:r>
+              <a:t>given</a:t>
+            </a:r>
+            <a:r>
+              <a:rPr lang="en-US" dirty="0"/>
+              <a:t> image.
+The system generates predictions based solely on images.
+The system uses a deep learning model to learn the characteristics of skin lesions and classify them.
+Apply a pre-trained model to help you achieve faster and more accurate results.</a:t>
+            </a:r>
+            <a:endParaRPr lang="hu-HU" dirty="0"/>
           </a:p>
         </p:txBody>
       </p:sp>
@@ -4263,56 +4276,105 @@
           <a:lstStyle/>
           <a:p>
             <a:r>
+              <a:rPr lang="hu-HU" dirty="0" err="1"/>
+              <a:t>Database</a:t>
+            </a:r>
+            <a:endParaRPr lang="hu-HU" dirty="0"/>
+          </a:p>
+        </p:txBody>
+      </p:sp>
+      <p:sp>
+        <p:nvSpPr>
+          <p:cNvPr id="3" name="Tartalom helye 2">
+            <a:extLst>
+              <a:ext uri="{FF2B5EF4-FFF2-40B4-BE49-F238E27FC236}">
+                <a16:creationId xmlns:a16="http://schemas.microsoft.com/office/drawing/2014/main" id="{2835A74E-340C-D867-26A5-168FED2F7435}"/>
+              </a:ext>
+            </a:extLst>
+          </p:cNvPr>
+          <p:cNvSpPr>
+            <a:spLocks noGrp="1"/>
+          </p:cNvSpPr>
+          <p:nvPr>
+            <p:ph idx="1"/>
+          </p:nvPr>
+        </p:nvSpPr>
+        <p:spPr/>
+        <p:txBody>
+          <a:bodyPr/>
+          <a:lstStyle/>
+          <a:p>
+            <a:r>
+              <a:rPr lang="en-US" dirty="0"/>
+              <a:t>The implementation is based </a:t>
+            </a:r>
+            <a:r>
+              <a:rPr lang="hu-HU" dirty="0" err="1"/>
+              <a:t>solely</a:t>
+            </a:r>
+            <a:r>
+              <a:rPr lang="en-US" dirty="0"/>
+              <a:t> on the data set provided by the Kaggle competition</a:t>
+            </a:r>
+            <a:r>
               <a:rPr lang="hu-HU" dirty="0"/>
-              <a:t>Adatbázis</a:t>
-            </a:r>
-          </a:p>
-        </p:txBody>
-      </p:sp>
-      <p:sp>
-        <p:nvSpPr>
-          <p:cNvPr id="3" name="Tartalom helye 2">
-            <a:extLst>
-              <a:ext uri="{FF2B5EF4-FFF2-40B4-BE49-F238E27FC236}">
-                <a16:creationId xmlns:a16="http://schemas.microsoft.com/office/drawing/2014/main" id="{2835A74E-340C-D867-26A5-168FED2F7435}"/>
-              </a:ext>
-            </a:extLst>
-          </p:cNvPr>
-          <p:cNvSpPr>
-            <a:spLocks noGrp="1"/>
-          </p:cNvSpPr>
-          <p:nvPr>
-            <p:ph idx="1"/>
-          </p:nvPr>
-        </p:nvSpPr>
-        <p:spPr/>
-        <p:txBody>
-          <a:bodyPr/>
-          <a:lstStyle/>
-          <a:p>
+              <a:t>.</a:t>
+            </a:r>
+          </a:p>
+          <a:p>
+            <a:r>
+              <a:rPr lang="en-US" dirty="0"/>
+              <a:t>We used</a:t>
+            </a:r>
             <a:r>
               <a:rPr lang="hu-HU" dirty="0"/>
-              <a:t>A megvalósítás csak a </a:t>
+              <a:t> </a:t>
             </a:r>
             <a:r>
               <a:rPr lang="hu-HU" dirty="0" err="1"/>
-              <a:t>Kaggle</a:t>
+              <a:t>the</a:t>
+            </a:r>
+            <a:r>
+              <a:rPr lang="en-US" dirty="0"/>
+              <a:t> metadata </a:t>
+            </a:r>
+            <a:r>
+              <a:rPr lang="hu-HU" dirty="0" err="1"/>
+              <a:t>from</a:t>
+            </a:r>
+            <a:r>
+              <a:rPr lang="en-US" dirty="0"/>
+              <a:t> train-metadata.csv and test-metadata.csv to extract </a:t>
             </a:r>
             <a:r>
               <a:rPr lang="hu-HU" dirty="0"/>
-              <a:t> verseny által megadott adathalmazra épít</a:t>
-            </a:r>
-          </a:p>
-          <a:p>
+              <a:t>image </a:t>
+            </a:r>
+            <a:r>
+              <a:rPr lang="en-US" dirty="0"/>
+              <a:t>Ids</a:t>
+            </a:r>
             <a:r>
               <a:rPr lang="hu-HU" dirty="0"/>
-              <a:t>A train-metadata.csv-ben és a test-metadata.csv-ben található metaadatok az képek azonosítóinak kinyerésére használtuk </a:t>
-            </a:r>
-          </a:p>
-          <a:p>
+              <a:t>.</a:t>
+            </a:r>
+          </a:p>
+          <a:p>
+            <a:r>
+              <a:rPr lang="en-US" dirty="0"/>
+              <a:t>The images were extracted from files with</a:t>
+            </a:r>
             <a:r>
               <a:rPr lang="hu-HU" dirty="0"/>
-              <a:t>A képeket a .hdf5 kiterjesztésű állományokból nyertük ki</a:t>
+              <a:t> </a:t>
+            </a:r>
+            <a:r>
+              <a:rPr lang="en-US" dirty="0"/>
+              <a:t>.hdf5 extension</a:t>
+            </a:r>
+            <a:r>
+              <a:rPr lang="hu-HU" dirty="0"/>
+              <a:t>.</a:t>
             </a:r>
           </a:p>
         </p:txBody>
@@ -4371,9 +4433,10 @@
           <a:lstStyle/>
           <a:p>
             <a:r>
-              <a:rPr lang="hu-HU" dirty="0"/>
-              <a:t>Architektúra</a:t>
-            </a:r>
+              <a:rPr lang="hu-HU" dirty="0" err="1"/>
+              <a:t>Architecture</a:t>
+            </a:r>
+            <a:endParaRPr lang="hu-HU" dirty="0"/>
           </a:p>
         </p:txBody>
       </p:sp>
@@ -4395,102 +4458,44 @@
         </p:nvSpPr>
         <p:spPr/>
         <p:txBody>
-          <a:bodyPr/>
-          <a:lstStyle/>
-          <a:p>
-            <a:r>
-              <a:rPr lang="hu-HU" dirty="0"/>
-              <a:t>Az architektúra alapját a versenyen megadott adatbázis adja, amely a tanító adathalmazt tartalmazza.</a:t>
-            </a:r>
-          </a:p>
+          <a:bodyPr>
+            <a:normAutofit/>
+          </a:bodyPr>
+          <a:lstStyle/>
           <a:p>
             <a:r>
               <a:rPr lang="en-US" dirty="0"/>
-              <a:t>A </a:t>
-            </a:r>
-            <a:r>
-              <a:rPr lang="en-US" dirty="0" err="1"/>
-              <a:t>modell</a:t>
-            </a:r>
+              <a:t>The architecture is based on the database specified in the competition, which contains the training dataset.</a:t>
+            </a:r>
+            <a:endParaRPr lang="hu-HU" dirty="0"/>
+          </a:p>
+          <a:p>
             <a:r>
               <a:rPr lang="en-US" dirty="0"/>
-              <a:t> </a:t>
-            </a:r>
-            <a:r>
-              <a:rPr lang="en-US" dirty="0" err="1"/>
-              <a:t>architektúrája</a:t>
-            </a:r>
+              <a:t>The architecture of the model is based on transfer learning.</a:t>
+            </a:r>
+            <a:endParaRPr lang="hu-HU" dirty="0"/>
+          </a:p>
+          <a:p>
             <a:r>
               <a:rPr lang="en-US" dirty="0"/>
-              <a:t> transfer </a:t>
-            </a:r>
-            <a:r>
-              <a:rPr lang="en-US" dirty="0" err="1"/>
-              <a:t>learningre</a:t>
-            </a:r>
+              <a:t>The pre-trained model used is EfficientNetV2.</a:t>
+            </a:r>
+            <a:endParaRPr lang="hu-HU" dirty="0"/>
+          </a:p>
+          <a:p>
             <a:r>
               <a:rPr lang="en-US" dirty="0"/>
-              <a:t> </a:t>
-            </a:r>
-            <a:r>
-              <a:rPr lang="en-US" dirty="0" err="1"/>
-              <a:t>épül</a:t>
-            </a:r>
+              <a:t>A multilayer convolutional network is built on EfficientNetV2.</a:t>
+            </a:r>
+            <a:endParaRPr lang="hu-HU" dirty="0"/>
+          </a:p>
+          <a:p>
             <a:r>
               <a:rPr lang="en-US" dirty="0"/>
-              <a:t>.</a:t>
+              <a:t>The output of the convolutional network is fed into a fully connected network.</a:t>
             </a:r>
             <a:endParaRPr lang="hu-HU" dirty="0"/>
-          </a:p>
-          <a:p>
-            <a:r>
-              <a:rPr lang="hu-HU" dirty="0"/>
-              <a:t>A használt előre tanított modell az EfficientNetV2.</a:t>
-            </a:r>
-          </a:p>
-          <a:p>
-            <a:r>
-              <a:rPr lang="hu-HU" dirty="0"/>
-              <a:t>Az EfficientNetV2-re egy többrétegű </a:t>
-            </a:r>
-            <a:r>
-              <a:rPr lang="hu-HU" dirty="0" err="1"/>
-              <a:t>konvolúciós</a:t>
-            </a:r>
-            <a:r>
-              <a:rPr lang="hu-HU" dirty="0"/>
-              <a:t> hálózat épül.</a:t>
-            </a:r>
-          </a:p>
-          <a:p>
-            <a:r>
-              <a:rPr lang="hu-HU" dirty="0"/>
-              <a:t>A </a:t>
-            </a:r>
-            <a:r>
-              <a:rPr lang="hu-HU" dirty="0" err="1"/>
-              <a:t>konvolúciós</a:t>
-            </a:r>
-            <a:r>
-              <a:rPr lang="hu-HU" dirty="0"/>
-              <a:t> hálózat kimenete pedig egy </a:t>
-            </a:r>
-            <a:r>
-              <a:rPr lang="hu-HU" dirty="0" err="1"/>
-              <a:t>fully</a:t>
-            </a:r>
-            <a:r>
-              <a:rPr lang="hu-HU" dirty="0"/>
-              <a:t> </a:t>
-            </a:r>
-            <a:r>
-              <a:rPr lang="hu-HU" dirty="0" err="1"/>
-              <a:t>connected</a:t>
-            </a:r>
-            <a:r>
-              <a:rPr lang="hu-HU" dirty="0"/>
-              <a:t> hálózatba kerül.</a:t>
-            </a:r>
           </a:p>
         </p:txBody>
       </p:sp>
@@ -4498,6 +4503,115 @@
     <p:extLst>
       <p:ext uri="{BB962C8B-B14F-4D97-AF65-F5344CB8AC3E}">
         <p14:creationId xmlns:p14="http://schemas.microsoft.com/office/powerpoint/2010/main" val="3095831608"/>
+      </p:ext>
+    </p:extLst>
+  </p:cSld>
+  <p:clrMapOvr>
+    <a:masterClrMapping/>
+  </p:clrMapOvr>
+</p:sld>
+</file>
+
+<file path=ppt/slides/slide7.xml><?xml version="1.0" encoding="utf-8"?>
+<p:sld xmlns:a="http://schemas.openxmlformats.org/drawingml/2006/main" xmlns:r="http://schemas.openxmlformats.org/officeDocument/2006/relationships" xmlns:p="http://schemas.openxmlformats.org/presentationml/2006/main">
+  <p:cSld>
+    <p:spTree>
+      <p:nvGrpSpPr>
+        <p:cNvPr id="1" name=""/>
+        <p:cNvGrpSpPr/>
+        <p:nvPr/>
+      </p:nvGrpSpPr>
+      <p:grpSpPr>
+        <a:xfrm>
+          <a:off x="0" y="0"/>
+          <a:ext cx="0" cy="0"/>
+          <a:chOff x="0" y="0"/>
+          <a:chExt cx="0" cy="0"/>
+        </a:xfrm>
+      </p:grpSpPr>
+      <p:sp>
+        <p:nvSpPr>
+          <p:cNvPr id="2" name="Cím 1">
+            <a:extLst>
+              <a:ext uri="{FF2B5EF4-FFF2-40B4-BE49-F238E27FC236}">
+                <a16:creationId xmlns:a16="http://schemas.microsoft.com/office/drawing/2014/main" id="{56BDDCC3-831E-008D-6BFA-09AE8F4292AB}"/>
+              </a:ext>
+            </a:extLst>
+          </p:cNvPr>
+          <p:cNvSpPr>
+            <a:spLocks noGrp="1"/>
+          </p:cNvSpPr>
+          <p:nvPr>
+            <p:ph type="title"/>
+          </p:nvPr>
+        </p:nvSpPr>
+        <p:spPr/>
+        <p:txBody>
+          <a:bodyPr/>
+          <a:lstStyle/>
+          <a:p>
+            <a:r>
+              <a:rPr lang="hu-HU" dirty="0" err="1"/>
+              <a:t>Summary</a:t>
+            </a:r>
+            <a:endParaRPr lang="hu-HU" dirty="0"/>
+          </a:p>
+        </p:txBody>
+      </p:sp>
+      <p:sp>
+        <p:nvSpPr>
+          <p:cNvPr id="3" name="Tartalom helye 2">
+            <a:extLst>
+              <a:ext uri="{FF2B5EF4-FFF2-40B4-BE49-F238E27FC236}">
+                <a16:creationId xmlns:a16="http://schemas.microsoft.com/office/drawing/2014/main" id="{B77713B4-FD61-2C86-AEB2-5462D80F2A89}"/>
+              </a:ext>
+            </a:extLst>
+          </p:cNvPr>
+          <p:cNvSpPr>
+            <a:spLocks noGrp="1"/>
+          </p:cNvSpPr>
+          <p:nvPr>
+            <p:ph idx="1"/>
+          </p:nvPr>
+        </p:nvSpPr>
+        <p:spPr/>
+        <p:txBody>
+          <a:bodyPr/>
+          <a:lstStyle/>
+          <a:p>
+            <a:r>
+              <a:rPr lang="en-US" dirty="0"/>
+              <a:t>Leveraged EfficientNetV2 with transfer learning for skin cancer detection.</a:t>
+            </a:r>
+            <a:endParaRPr lang="hu-HU" dirty="0"/>
+          </a:p>
+          <a:p>
+            <a:r>
+              <a:rPr lang="en-US" dirty="0"/>
+              <a:t>Focused on compact, accurate models suitable for mobile deployment.</a:t>
+            </a:r>
+            <a:endParaRPr lang="hu-HU" dirty="0"/>
+          </a:p>
+          <a:p>
+            <a:r>
+              <a:rPr lang="en-US" dirty="0"/>
+              <a:t>Aimed to enhance preventive healthcare accessibility through technology.</a:t>
+            </a:r>
+            <a:endParaRPr lang="hu-HU" dirty="0"/>
+          </a:p>
+          <a:p>
+            <a:r>
+              <a:rPr lang="en-US" dirty="0"/>
+              <a:t>Work in progress, driven by innovation and real-world impact.</a:t>
+            </a:r>
+            <a:endParaRPr lang="hu-HU" dirty="0"/>
+          </a:p>
+        </p:txBody>
+      </p:sp>
+    </p:spTree>
+    <p:extLst>
+      <p:ext uri="{BB962C8B-B14F-4D97-AF65-F5344CB8AC3E}">
+        <p14:creationId xmlns:p14="http://schemas.microsoft.com/office/powerpoint/2010/main" val="1870102327"/>
       </p:ext>
     </p:extLst>
   </p:cSld>
